--- a/Dokumentation/SEP Game_Iteration 2.pptx
+++ b/Dokumentation/SEP Game_Iteration 2.pptx
@@ -11195,14 +11195,14 @@
           <p:nvPr>
             <p:extLst>
               <p:ext uri="{D42A27DB-BD31-4B8C-83A1-F6EECF244321}">
-                <p14:modId xmlns:p14="http://schemas.microsoft.com/office/powerpoint/2010/main" val="4241267741"/>
+                <p14:modId xmlns:p14="http://schemas.microsoft.com/office/powerpoint/2010/main" val="2769621776"/>
               </p:ext>
             </p:extLst>
           </p:nvPr>
         </p:nvGraphicFramePr>
         <p:xfrm>
           <a:off x="2740888" y="1366725"/>
-          <a:ext cx="6103592" cy="3130130"/>
+          <a:ext cx="6103592" cy="3145751"/>
         </p:xfrm>
         <a:graphic>
           <a:graphicData uri="http://schemas.openxmlformats.org/drawingml/2006/table">
@@ -11375,12 +11375,24 @@
                         </a:spcAft>
                       </a:pPr>
                       <a:r>
-                        <a:rPr lang="de-DE" sz="1000">
+                        <a:rPr lang="de-DE" sz="1100" dirty="0">
                           <a:effectLst/>
+                          <a:latin typeface="Calibri" panose="020F0502020204030204" pitchFamily="34" charset="0"/>
+                          <a:ea typeface="Times New Roman" panose="02020603050405020304" pitchFamily="18" charset="0"/>
+                          <a:cs typeface="Times New Roman" panose="02020603050405020304" pitchFamily="18" charset="0"/>
                         </a:rPr>
-                        <a:t>Yasin Kizilhan</a:t>
+                        <a:t>Julian </a:t>
                       </a:r>
-                      <a:endParaRPr lang="de-DE" sz="1100">
+                      <a:r>
+                        <a:rPr lang="de-DE" sz="1100" dirty="0" err="1">
+                          <a:effectLst/>
+                          <a:latin typeface="Calibri" panose="020F0502020204030204" pitchFamily="34" charset="0"/>
+                          <a:ea typeface="Times New Roman" panose="02020603050405020304" pitchFamily="18" charset="0"/>
+                          <a:cs typeface="Times New Roman" panose="02020603050405020304" pitchFamily="18" charset="0"/>
+                        </a:rPr>
+                        <a:t>Flieter</a:t>
+                      </a:r>
+                      <a:endParaRPr lang="de-DE" sz="1100" dirty="0">
                         <a:effectLst/>
                         <a:latin typeface="Calibri" panose="020F0502020204030204" pitchFamily="34" charset="0"/>
                         <a:ea typeface="Times New Roman" panose="02020603050405020304" pitchFamily="18" charset="0"/>
@@ -13007,14 +13019,14 @@
           <p:nvPr>
             <p:extLst>
               <p:ext uri="{D42A27DB-BD31-4B8C-83A1-F6EECF244321}">
-                <p14:modId xmlns:p14="http://schemas.microsoft.com/office/powerpoint/2010/main" val="1990173563"/>
+                <p14:modId xmlns:p14="http://schemas.microsoft.com/office/powerpoint/2010/main" val="1073331301"/>
               </p:ext>
             </p:extLst>
           </p:nvPr>
         </p:nvGraphicFramePr>
         <p:xfrm>
           <a:off x="2755028" y="1258116"/>
-          <a:ext cx="6075312" cy="3362969"/>
+          <a:ext cx="6075312" cy="3378590"/>
         </p:xfrm>
         <a:graphic>
           <a:graphicData uri="http://schemas.openxmlformats.org/drawingml/2006/table">
@@ -13181,12 +13193,24 @@
                         </a:spcAft>
                       </a:pPr>
                       <a:r>
-                        <a:rPr lang="de-DE" sz="1000">
+                        <a:rPr lang="de-DE" sz="1100" dirty="0">
                           <a:effectLst/>
+                          <a:latin typeface="Calibri" panose="020F0502020204030204" pitchFamily="34" charset="0"/>
+                          <a:ea typeface="Times New Roman" panose="02020603050405020304" pitchFamily="18" charset="0"/>
+                          <a:cs typeface="Times New Roman" panose="02020603050405020304" pitchFamily="18" charset="0"/>
                         </a:rPr>
-                        <a:t>Yasin Kizilhan</a:t>
+                        <a:t>Julian </a:t>
                       </a:r>
-                      <a:endParaRPr lang="de-DE" sz="1100">
+                      <a:r>
+                        <a:rPr lang="de-DE" sz="1100" dirty="0" err="1">
+                          <a:effectLst/>
+                          <a:latin typeface="Calibri" panose="020F0502020204030204" pitchFamily="34" charset="0"/>
+                          <a:ea typeface="Times New Roman" panose="02020603050405020304" pitchFamily="18" charset="0"/>
+                          <a:cs typeface="Times New Roman" panose="02020603050405020304" pitchFamily="18" charset="0"/>
+                        </a:rPr>
+                        <a:t>Flieter</a:t>
+                      </a:r>
+                      <a:endParaRPr lang="de-DE" sz="1100" dirty="0">
                         <a:effectLst/>
                         <a:latin typeface="Calibri" panose="020F0502020204030204" pitchFamily="34" charset="0"/>
                         <a:ea typeface="Times New Roman" panose="02020603050405020304" pitchFamily="18" charset="0"/>
